--- a/程式交易/TMBA策略分享_傅立葉級數擬合.pptx
+++ b/程式交易/TMBA策略分享_傅立葉級數擬合.pptx
@@ -210,7 +210,7 @@
           <a:p>
             <a:fld id="{D0A14A51-6950-4438-93BD-FF02A509869A}" type="datetimeFigureOut">
               <a:rPr lang="zh-TW" altLang="en-US" smtClean="0"/>
-              <a:t>2019/5/24</a:t>
+              <a:t>2019/12/31</a:t>
             </a:fld>
             <a:endParaRPr lang="zh-TW" altLang="en-US"/>
           </a:p>
@@ -608,7 +608,7 @@
           <a:p>
             <a:fld id="{D88B5640-685E-4932-B483-785B4950AFB7}" type="datetimeFigureOut">
               <a:rPr lang="zh-TW" altLang="en-US" smtClean="0"/>
-              <a:t>2019/5/24</a:t>
+              <a:t>2019/12/31</a:t>
             </a:fld>
             <a:endParaRPr lang="zh-TW" altLang="en-US"/>
           </a:p>
@@ -778,7 +778,7 @@
           <a:p>
             <a:fld id="{D88B5640-685E-4932-B483-785B4950AFB7}" type="datetimeFigureOut">
               <a:rPr lang="zh-TW" altLang="en-US" smtClean="0"/>
-              <a:t>2019/5/24</a:t>
+              <a:t>2019/12/31</a:t>
             </a:fld>
             <a:endParaRPr lang="zh-TW" altLang="en-US"/>
           </a:p>
@@ -958,7 +958,7 @@
           <a:p>
             <a:fld id="{D88B5640-685E-4932-B483-785B4950AFB7}" type="datetimeFigureOut">
               <a:rPr lang="zh-TW" altLang="en-US" smtClean="0"/>
-              <a:t>2019/5/24</a:t>
+              <a:t>2019/12/31</a:t>
             </a:fld>
             <a:endParaRPr lang="zh-TW" altLang="en-US"/>
           </a:p>
@@ -1168,7 +1168,7 @@
           <a:p>
             <a:fld id="{D88B5640-685E-4932-B483-785B4950AFB7}" type="datetimeFigureOut">
               <a:rPr lang="zh-TW" altLang="en-US" smtClean="0"/>
-              <a:t>2019/5/24</a:t>
+              <a:t>2019/12/31</a:t>
             </a:fld>
             <a:endParaRPr lang="zh-TW" altLang="en-US"/>
           </a:p>
@@ -1415,7 +1415,7 @@
           <a:p>
             <a:fld id="{D88B5640-685E-4932-B483-785B4950AFB7}" type="datetimeFigureOut">
               <a:rPr lang="zh-TW" altLang="en-US" smtClean="0"/>
-              <a:t>2019/5/24</a:t>
+              <a:t>2019/12/31</a:t>
             </a:fld>
             <a:endParaRPr lang="zh-TW" altLang="en-US"/>
           </a:p>
@@ -1647,7 +1647,7 @@
           <a:p>
             <a:fld id="{D88B5640-685E-4932-B483-785B4950AFB7}" type="datetimeFigureOut">
               <a:rPr lang="zh-TW" altLang="en-US" smtClean="0"/>
-              <a:t>2019/5/24</a:t>
+              <a:t>2019/12/31</a:t>
             </a:fld>
             <a:endParaRPr lang="zh-TW" altLang="en-US"/>
           </a:p>
@@ -2014,7 +2014,7 @@
           <a:p>
             <a:fld id="{D88B5640-685E-4932-B483-785B4950AFB7}" type="datetimeFigureOut">
               <a:rPr lang="zh-TW" altLang="en-US" smtClean="0"/>
-              <a:t>2019/5/24</a:t>
+              <a:t>2019/12/31</a:t>
             </a:fld>
             <a:endParaRPr lang="zh-TW" altLang="en-US"/>
           </a:p>
@@ -2132,7 +2132,7 @@
           <a:p>
             <a:fld id="{D88B5640-685E-4932-B483-785B4950AFB7}" type="datetimeFigureOut">
               <a:rPr lang="zh-TW" altLang="en-US" smtClean="0"/>
-              <a:t>2019/5/24</a:t>
+              <a:t>2019/12/31</a:t>
             </a:fld>
             <a:endParaRPr lang="zh-TW" altLang="en-US"/>
           </a:p>
@@ -2227,7 +2227,7 @@
           <a:p>
             <a:fld id="{D88B5640-685E-4932-B483-785B4950AFB7}" type="datetimeFigureOut">
               <a:rPr lang="zh-TW" altLang="en-US" smtClean="0"/>
-              <a:t>2019/5/24</a:t>
+              <a:t>2019/12/31</a:t>
             </a:fld>
             <a:endParaRPr lang="zh-TW" altLang="en-US"/>
           </a:p>
@@ -2504,7 +2504,7 @@
           <a:p>
             <a:fld id="{D88B5640-685E-4932-B483-785B4950AFB7}" type="datetimeFigureOut">
               <a:rPr lang="zh-TW" altLang="en-US" smtClean="0"/>
-              <a:t>2019/5/24</a:t>
+              <a:t>2019/12/31</a:t>
             </a:fld>
             <a:endParaRPr lang="zh-TW" altLang="en-US"/>
           </a:p>
@@ -2761,7 +2761,7 @@
           <a:p>
             <a:fld id="{D88B5640-685E-4932-B483-785B4950AFB7}" type="datetimeFigureOut">
               <a:rPr lang="zh-TW" altLang="en-US" smtClean="0"/>
-              <a:t>2019/5/24</a:t>
+              <a:t>2019/12/31</a:t>
             </a:fld>
             <a:endParaRPr lang="zh-TW" altLang="en-US"/>
           </a:p>
@@ -2974,7 +2974,7 @@
           <a:p>
             <a:fld id="{D88B5640-685E-4932-B483-785B4950AFB7}" type="datetimeFigureOut">
               <a:rPr lang="zh-TW" altLang="en-US" smtClean="0"/>
-              <a:t>2019/5/24</a:t>
+              <a:t>2019/12/31</a:t>
             </a:fld>
             <a:endParaRPr lang="zh-TW" altLang="en-US"/>
           </a:p>
@@ -3412,7 +3412,21 @@
                 <a:latin typeface="微軟正黑體" panose="020B0604030504040204" pitchFamily="34" charset="-120"/>
                 <a:ea typeface="微軟正黑體" panose="020B0604030504040204" pitchFamily="34" charset="-120"/>
               </a:rPr>
-              <a:t>如何把簡單ㄉ交易</a:t>
+              <a:t>如何把</a:t>
+            </a:r>
+            <a:r>
+              <a:rPr lang="zh-TW" altLang="en-US" sz="4800" dirty="0" smtClean="0">
+                <a:latin typeface="微軟正黑體" panose="020B0604030504040204" pitchFamily="34" charset="-120"/>
+                <a:ea typeface="微軟正黑體" panose="020B0604030504040204" pitchFamily="34" charset="-120"/>
+              </a:rPr>
+              <a:t>簡單的交易</a:t>
+            </a:r>
+            <a:r>
+              <a:rPr lang="en-US" altLang="zh-TW" sz="4800" dirty="0">
+                <a:latin typeface="微軟正黑體" panose="020B0604030504040204" pitchFamily="34" charset="-120"/>
+                <a:ea typeface="微軟正黑體" panose="020B0604030504040204" pitchFamily="34" charset="-120"/>
+              </a:rPr>
+              <a:t/>
             </a:r>
             <a:br>
               <a:rPr lang="en-US" altLang="zh-TW" sz="4800" dirty="0">
@@ -3421,11 +3435,18 @@
               </a:rPr>
             </a:br>
             <a:r>
+              <a:rPr lang="zh-TW" altLang="en-US" sz="4800" dirty="0" smtClean="0">
+                <a:latin typeface="微軟正黑體" panose="020B0604030504040204" pitchFamily="34" charset="-120"/>
+                <a:ea typeface="微軟正黑體" panose="020B0604030504040204" pitchFamily="34" charset="-120"/>
+              </a:rPr>
+              <a:t>搞得有點</a:t>
+            </a:r>
+            <a:r>
               <a:rPr lang="zh-TW" altLang="en-US" sz="4800" dirty="0">
                 <a:latin typeface="微軟正黑體" panose="020B0604030504040204" pitchFamily="34" charset="-120"/>
                 <a:ea typeface="微軟正黑體" panose="020B0604030504040204" pitchFamily="34" charset="-120"/>
               </a:rPr>
-              <a:t>搞ㄉ有點複雜</a:t>
+              <a:t>複雜</a:t>
             </a:r>
           </a:p>
         </p:txBody>
@@ -3506,6 +3527,13 @@
           </a:bodyPr>
           <a:lstStyle/>
           <a:p>
+            <a:r>
+              <a:rPr lang="en-US" altLang="zh-TW" dirty="0">
+                <a:latin typeface="微軟正黑體" panose="020B0604030504040204" pitchFamily="34" charset="-120"/>
+                <a:ea typeface="微軟正黑體" panose="020B0604030504040204" pitchFamily="34" charset="-120"/>
+              </a:rPr>
+              <a:t/>
+            </a:r>
             <a:br>
               <a:rPr lang="en-US" altLang="zh-TW" dirty="0">
                 <a:latin typeface="微軟正黑體" panose="020B0604030504040204" pitchFamily="34" charset="-120"/>
